--- a/resources/images.pptx
+++ b/resources/images.pptx
@@ -3771,6 +3771,176 @@
           </a:prstGeom>
         </p:spPr>
       </p:pic>
+      <p:sp>
+        <p:nvSpPr>
+          <p:cNvPr id="15" name="矩形 14"/>
+          <p:cNvSpPr/>
+          <p:nvPr/>
+        </p:nvSpPr>
+        <p:spPr>
+          <a:xfrm>
+            <a:off x="784860" y="1967230"/>
+            <a:ext cx="1224000" cy="1224000"/>
+          </a:xfrm>
+          <a:prstGeom prst="rect">
+            <a:avLst/>
+          </a:prstGeom>
+          <a:ln>
+            <a:noFill/>
+          </a:ln>
+        </p:spPr>
+        <p:style>
+          <a:lnRef idx="2">
+            <a:schemeClr val="accent1">
+              <a:shade val="50000"/>
+            </a:schemeClr>
+          </a:lnRef>
+          <a:fillRef idx="1">
+            <a:schemeClr val="accent1"/>
+          </a:fillRef>
+          <a:effectRef idx="0">
+            <a:schemeClr val="accent1"/>
+          </a:effectRef>
+          <a:fontRef idx="minor">
+            <a:schemeClr val="lt1"/>
+          </a:fontRef>
+        </p:style>
+        <p:txBody>
+          <a:bodyPr rtlCol="0" anchor="ctr"/>
+          <a:p>
+            <a:pPr algn="ctr"/>
+            <a:endParaRPr lang="zh-CN" altLang="en-US"/>
+          </a:p>
+        </p:txBody>
+      </p:sp>
+      <p:sp>
+        <p:nvSpPr>
+          <p:cNvPr id="16" name="椭圆 15"/>
+          <p:cNvSpPr/>
+          <p:nvPr/>
+        </p:nvSpPr>
+        <p:spPr>
+          <a:xfrm>
+            <a:off x="975360" y="2157730"/>
+            <a:ext cx="843280" cy="842400"/>
+          </a:xfrm>
+          <a:prstGeom prst="ellipse">
+            <a:avLst/>
+          </a:prstGeom>
+          <a:solidFill>
+            <a:schemeClr val="bg1"/>
+          </a:solidFill>
+          <a:ln>
+            <a:noFill/>
+          </a:ln>
+        </p:spPr>
+        <p:style>
+          <a:lnRef idx="2">
+            <a:schemeClr val="dk1"/>
+          </a:lnRef>
+          <a:fillRef idx="1">
+            <a:schemeClr val="lt1"/>
+          </a:fillRef>
+          <a:effectRef idx="0">
+            <a:schemeClr val="dk1"/>
+          </a:effectRef>
+          <a:fontRef idx="minor">
+            <a:schemeClr val="dk1"/>
+          </a:fontRef>
+        </p:style>
+        <p:txBody>
+          <a:bodyPr rtlCol="0" anchor="ctr"/>
+          <a:p>
+            <a:pPr algn="ctr"/>
+            <a:endParaRPr lang="zh-CN" altLang="en-US"/>
+          </a:p>
+        </p:txBody>
+      </p:sp>
+      <p:sp>
+        <p:nvSpPr>
+          <p:cNvPr id="17" name="矩形 16"/>
+          <p:cNvSpPr/>
+          <p:nvPr/>
+        </p:nvSpPr>
+        <p:spPr>
+          <a:xfrm>
+            <a:off x="784860" y="4348480"/>
+            <a:ext cx="1224000" cy="1224000"/>
+          </a:xfrm>
+          <a:prstGeom prst="rect">
+            <a:avLst/>
+          </a:prstGeom>
+          <a:ln>
+            <a:noFill/>
+          </a:ln>
+        </p:spPr>
+        <p:style>
+          <a:lnRef idx="2">
+            <a:schemeClr val="accent1">
+              <a:shade val="50000"/>
+            </a:schemeClr>
+          </a:lnRef>
+          <a:fillRef idx="1">
+            <a:schemeClr val="accent1"/>
+          </a:fillRef>
+          <a:effectRef idx="0">
+            <a:schemeClr val="accent1"/>
+          </a:effectRef>
+          <a:fontRef idx="minor">
+            <a:schemeClr val="lt1"/>
+          </a:fontRef>
+        </p:style>
+        <p:txBody>
+          <a:bodyPr rtlCol="0" anchor="ctr"/>
+          <a:p>
+            <a:pPr algn="ctr"/>
+            <a:endParaRPr lang="zh-CN" altLang="en-US"/>
+          </a:p>
+        </p:txBody>
+      </p:sp>
+      <p:sp>
+        <p:nvSpPr>
+          <p:cNvPr id="18" name="椭圆 17"/>
+          <p:cNvSpPr/>
+          <p:nvPr/>
+        </p:nvSpPr>
+        <p:spPr>
+          <a:xfrm>
+            <a:off x="975360" y="4538980"/>
+            <a:ext cx="843280" cy="842400"/>
+          </a:xfrm>
+          <a:prstGeom prst="ellipse">
+            <a:avLst/>
+          </a:prstGeom>
+          <a:solidFill>
+            <a:srgbClr val="92D050"/>
+          </a:solidFill>
+          <a:ln>
+            <a:noFill/>
+          </a:ln>
+        </p:spPr>
+        <p:style>
+          <a:lnRef idx="2">
+            <a:schemeClr val="dk1"/>
+          </a:lnRef>
+          <a:fillRef idx="1">
+            <a:schemeClr val="lt1"/>
+          </a:fillRef>
+          <a:effectRef idx="0">
+            <a:schemeClr val="dk1"/>
+          </a:effectRef>
+          <a:fontRef idx="minor">
+            <a:schemeClr val="dk1"/>
+          </a:fontRef>
+        </p:style>
+        <p:txBody>
+          <a:bodyPr rtlCol="0" anchor="ctr"/>
+          <a:p>
+            <a:pPr algn="ctr"/>
+            <a:endParaRPr lang="zh-CN" altLang="en-US"/>
+          </a:p>
+        </p:txBody>
+      </p:sp>
     </p:spTree>
   </p:cSld>
   <p:clrMapOvr>
